--- a/Weekly Reports/Weekly Report Template.pptx
+++ b/Weekly Reports/Weekly Report Template.pptx
@@ -7,12 +7,13 @@
   <p:sldIdLst>
     <p:sldId id="256" r:id="rId2"/>
     <p:sldId id="257" r:id="rId3"/>
-    <p:sldId id="258" r:id="rId4"/>
-    <p:sldId id="259" r:id="rId5"/>
-    <p:sldId id="260" r:id="rId6"/>
-    <p:sldId id="261" r:id="rId7"/>
-    <p:sldId id="262" r:id="rId8"/>
-    <p:sldId id="263" r:id="rId9"/>
+    <p:sldId id="272" r:id="rId4"/>
+    <p:sldId id="258" r:id="rId5"/>
+    <p:sldId id="259" r:id="rId6"/>
+    <p:sldId id="260" r:id="rId7"/>
+    <p:sldId id="261" r:id="rId8"/>
+    <p:sldId id="262" r:id="rId9"/>
+    <p:sldId id="263" r:id="rId10"/>
   </p:sldIdLst>
   <p:sldSz cx="12192000" cy="6858000"/>
   <p:notesSz cx="6858000" cy="9144000"/>
@@ -111,6 +112,11 @@
       </a:defRPr>
     </a:lvl9pPr>
   </p:defaultTextStyle>
+  <p:extLst>
+    <p:ext uri="{EFAFB233-063F-42B5-8137-9DF3F51BA10A}">
+      <p15:sldGuideLst xmlns:p15="http://schemas.microsoft.com/office/powerpoint/2012/main"/>
+    </p:ext>
+  </p:extLst>
 </p:presentation>
 </file>
 
@@ -267,7 +273,7 @@
           <a:p>
             <a:fld id="{C128FA71-3A18-48C0-980F-4B68F7F63042}" type="datetime1">
               <a:rPr lang="en-US" smtClean="0"/>
-              <a:t>2/14/2025</a:t>
+              <a:t>2/21/2025</a:t>
             </a:fld>
             <a:endParaRPr lang="en-US"/>
           </a:p>
@@ -475,7 +481,7 @@
           <a:p>
             <a:fld id="{7104EDB3-C0E8-45F8-9E1D-1B6C8D1880C0}" type="datetime1">
               <a:rPr lang="en-US" smtClean="0"/>
-              <a:t>2/14/2025</a:t>
+              <a:t>2/21/2025</a:t>
             </a:fld>
             <a:endParaRPr lang="en-US"/>
           </a:p>
@@ -685,7 +691,7 @@
           <a:p>
             <a:fld id="{9CF0EC4B-54ED-4041-B552-9BA760FA3DBA}" type="datetime1">
               <a:rPr lang="en-US" smtClean="0"/>
-              <a:t>2/14/2025</a:t>
+              <a:t>2/21/2025</a:t>
             </a:fld>
             <a:endParaRPr lang="en-US"/>
           </a:p>
@@ -883,7 +889,7 @@
           <a:p>
             <a:fld id="{51C1210E-201E-4473-82AC-2466F5386C38}" type="datetime1">
               <a:rPr lang="en-US" smtClean="0"/>
-              <a:t>2/14/2025</a:t>
+              <a:t>2/21/2025</a:t>
             </a:fld>
             <a:endParaRPr lang="en-US"/>
           </a:p>
@@ -1161,7 +1167,7 @@
           <a:p>
             <a:fld id="{B01EA198-6CAB-4B8F-B93F-1F9C8C4B6CE7}" type="datetime1">
               <a:rPr lang="en-US" smtClean="0"/>
-              <a:t>2/14/2025</a:t>
+              <a:t>2/21/2025</a:t>
             </a:fld>
             <a:endParaRPr lang="en-US"/>
           </a:p>
@@ -1433,7 +1439,7 @@
           <a:p>
             <a:fld id="{CA06041F-4525-44D5-AA4F-332294BF1F56}" type="datetime1">
               <a:rPr lang="en-US" smtClean="0"/>
-              <a:t>2/14/2025</a:t>
+              <a:t>2/21/2025</a:t>
             </a:fld>
             <a:endParaRPr lang="en-US"/>
           </a:p>
@@ -1857,7 +1863,7 @@
           <a:p>
             <a:fld id="{F9557091-BBDF-4EB9-BA6B-2BB67AC4FC0F}" type="datetime1">
               <a:rPr lang="en-US" smtClean="0"/>
-              <a:t>2/14/2025</a:t>
+              <a:t>2/21/2025</a:t>
             </a:fld>
             <a:endParaRPr lang="en-US"/>
           </a:p>
@@ -1998,7 +2004,7 @@
           <a:p>
             <a:fld id="{2D6B226B-77A6-410C-9796-083F278E0125}" type="datetime1">
               <a:rPr lang="en-US" smtClean="0"/>
-              <a:t>2/14/2025</a:t>
+              <a:t>2/21/2025</a:t>
             </a:fld>
             <a:endParaRPr lang="en-US"/>
           </a:p>
@@ -2111,7 +2117,7 @@
           <a:p>
             <a:fld id="{A23A578B-D289-4C40-8593-3D356C49DA58}" type="datetime1">
               <a:rPr lang="en-US" smtClean="0"/>
-              <a:t>2/14/2025</a:t>
+              <a:t>2/21/2025</a:t>
             </a:fld>
             <a:endParaRPr lang="en-US"/>
           </a:p>
@@ -2430,7 +2436,7 @@
           <a:p>
             <a:fld id="{713DFAE3-14DB-48A7-A80F-80DDB072CE3D}" type="datetime1">
               <a:rPr lang="en-US" smtClean="0"/>
-              <a:t>2/14/2025</a:t>
+              <a:t>2/21/2025</a:t>
             </a:fld>
             <a:endParaRPr lang="en-US"/>
           </a:p>
@@ -2724,7 +2730,7 @@
           <a:p>
             <a:fld id="{92C5EAEF-6478-4102-8F5D-A5FE9FC97ACB}" type="datetime1">
               <a:rPr lang="en-US" smtClean="0"/>
-              <a:t>2/14/2025</a:t>
+              <a:t>2/21/2025</a:t>
             </a:fld>
             <a:endParaRPr lang="en-US"/>
           </a:p>
@@ -2965,7 +2971,7 @@
           <a:p>
             <a:fld id="{67F45AC6-C491-4585-A584-9CE2AF7D5500}" type="datetime1">
               <a:rPr lang="en-US" smtClean="0"/>
-              <a:t>2/14/2025</a:t>
+              <a:t>2/21/2025</a:t>
             </a:fld>
             <a:endParaRPr lang="en-US"/>
           </a:p>
@@ -3942,14 +3948,6 @@
 <file path=ppt/slides/slide3.xml><?xml version="1.0" encoding="utf-8"?>
 <p:sld xmlns:a="http://schemas.openxmlformats.org/drawingml/2006/main" xmlns:r="http://schemas.openxmlformats.org/officeDocument/2006/relationships" xmlns:p="http://schemas.openxmlformats.org/presentationml/2006/main">
   <p:cSld>
-    <p:bg>
-      <p:bgPr>
-        <a:solidFill>
-          <a:schemeClr val="bg1"/>
-        </a:solidFill>
-        <a:effectLst/>
-      </p:bgPr>
-    </p:bg>
     <p:spTree>
       <p:nvGrpSpPr>
         <p:cNvPr id="1" name=""/>
@@ -3964,56 +3962,97 @@
           <a:chExt cx="0" cy="0"/>
         </a:xfrm>
       </p:grpSpPr>
-      <p:sp useBgFill="1">
-        <p:nvSpPr>
-          <p:cNvPr id="9" name="Rectangle 8">
-            <a:extLst>
-              <a:ext uri="{FF2B5EF4-FFF2-40B4-BE49-F238E27FC236}">
-                <a16:creationId xmlns:a16="http://schemas.microsoft.com/office/drawing/2014/main" id="{1A32057F-F015-B1B2-4E3E-2307F8EFC97B}"/>
-              </a:ext>
-              <a:ext uri="{C183D7F6-B498-43B3-948B-1728B52AA6E4}">
-                <adec:decorative xmlns:adec="http://schemas.microsoft.com/office/drawing/2017/decorative" val="1"/>
-              </a:ext>
-            </a:extLst>
-          </p:cNvPr>
-          <p:cNvSpPr>
-            <a:spLocks noGrp="1" noRot="1" noChangeAspect="1" noMove="1" noResize="1" noEditPoints="1" noAdjustHandles="1" noChangeArrowheads="1" noChangeShapeType="1" noTextEdit="1"/>
-          </p:cNvSpPr>
-          <p:nvPr>
-            <p:extLst>
-              <p:ext uri="{386F3935-93C4-4BCD-93E2-E3B085C9AB24}">
-                <p16:designElem xmlns:p16="http://schemas.microsoft.com/office/powerpoint/2015/main" val="1"/>
-              </p:ext>
-            </p:extLst>
-          </p:nvPr>
-        </p:nvSpPr>
-        <p:spPr>
-          <a:xfrm>
-            <a:off x="0" y="0"/>
-            <a:ext cx="12192000" cy="6858000"/>
+      <p:pic>
+        <p:nvPicPr>
+          <p:cNvPr id="5" name="Picture 4" descr="Close-up of hopscotch on a sidewalk">
+            <a:extLst>
+              <a:ext uri="{FF2B5EF4-FFF2-40B4-BE49-F238E27FC236}">
+                <a16:creationId xmlns:a16="http://schemas.microsoft.com/office/drawing/2014/main" id="{AFE91F27-EC56-AF05-A2BC-6734213140D2}"/>
+              </a:ext>
+            </a:extLst>
+          </p:cNvPr>
+          <p:cNvPicPr>
+            <a:picLocks noChangeAspect="1"/>
+          </p:cNvPicPr>
+          <p:nvPr/>
+        </p:nvPicPr>
+        <p:blipFill>
+          <a:blip r:embed="rId2"/>
+          <a:srcRect t="7270" b="8460"/>
+          <a:stretch/>
+        </p:blipFill>
+        <p:spPr>
+          <a:xfrm>
+            <a:off x="20" y="10"/>
+            <a:ext cx="12191980" cy="6857990"/>
           </a:xfrm>
           <a:prstGeom prst="rect">
             <a:avLst/>
           </a:prstGeom>
-          <a:ln w="12700" cap="flat" cmpd="sng" algn="ctr">
-            <a:noFill/>
-            <a:prstDash val="solid"/>
-            <a:miter lim="800000"/>
-          </a:ln>
-          <a:effectLst/>
-          <a:extLst>
-            <a:ext uri="{91240B29-F687-4F45-9708-019B960494DF}">
-              <a14:hiddenLine xmlns:a14="http://schemas.microsoft.com/office/drawing/2010/main" w="12700" cap="flat" cmpd="sng" algn="ctr">
+        </p:spPr>
+      </p:pic>
+      <p:sp>
+        <p:nvSpPr>
+          <p:cNvPr id="2" name="Title 1">
+            <a:extLst>
+              <a:ext uri="{FF2B5EF4-FFF2-40B4-BE49-F238E27FC236}">
+                <a16:creationId xmlns:a16="http://schemas.microsoft.com/office/drawing/2014/main" id="{12A13F9D-B3C1-C028-C34C-190D7F6F2321}"/>
+              </a:ext>
+            </a:extLst>
+          </p:cNvPr>
+          <p:cNvSpPr>
+            <a:spLocks noGrp="1"/>
+          </p:cNvSpPr>
+          <p:nvPr>
+            <p:ph type="title"/>
+          </p:nvPr>
+        </p:nvSpPr>
+        <p:spPr>
+          <a:xfrm>
+            <a:off x="7473219" y="898373"/>
+            <a:ext cx="4470544" cy="3474720"/>
+          </a:xfrm>
+        </p:spPr>
+        <p:txBody>
+          <a:bodyPr vert="horz" lIns="91440" tIns="45720" rIns="91440" bIns="45720" rtlCol="0" anchor="b">
+            <a:normAutofit/>
+          </a:bodyPr>
+          <a:lstStyle/>
+          <a:p>
+            <a:r>
+              <a:rPr lang="en-US" sz="5800" dirty="0">
                 <a:solidFill>
-                  <a:schemeClr val="accent1">
-                    <a:shade val="15000"/>
-                  </a:schemeClr>
+                  <a:schemeClr val="bg1"/>
                 </a:solidFill>
-                <a:prstDash val="solid"/>
-                <a:miter lim="800000"/>
-              </a14:hiddenLine>
-            </a:ext>
-          </a:extLst>
+              </a:rPr>
+              <a:t>Key Milestones</a:t>
+            </a:r>
+          </a:p>
+        </p:txBody>
+      </p:sp>
+      <p:sp>
+        <p:nvSpPr>
+          <p:cNvPr id="4" name="Rectangle 3">
+            <a:extLst>
+              <a:ext uri="{FF2B5EF4-FFF2-40B4-BE49-F238E27FC236}">
+                <a16:creationId xmlns:a16="http://schemas.microsoft.com/office/drawing/2014/main" id="{8B7857DA-4418-B4A5-47E8-791A9AEEC6B6}"/>
+              </a:ext>
+            </a:extLst>
+          </p:cNvPr>
+          <p:cNvSpPr/>
+          <p:nvPr/>
+        </p:nvSpPr>
+        <p:spPr>
+          <a:xfrm>
+            <a:off x="409433" y="334370"/>
+            <a:ext cx="2183642" cy="1630908"/>
+          </a:xfrm>
+          <a:prstGeom prst="rect">
+            <a:avLst/>
+          </a:prstGeom>
+          <a:solidFill>
+            <a:srgbClr val="92D050"/>
+          </a:solidFill>
         </p:spPr>
         <p:style>
           <a:lnRef idx="2">
@@ -4036,80 +4075,265 @@
           <a:lstStyle/>
           <a:p>
             <a:pPr algn="ctr"/>
-            <a:endParaRPr lang="en-US"/>
-          </a:p>
-        </p:txBody>
-      </p:sp>
-      <p:pic>
-        <p:nvPicPr>
-          <p:cNvPr id="5" name="Picture 4" descr="One in a crowd">
-            <a:extLst>
-              <a:ext uri="{FF2B5EF4-FFF2-40B4-BE49-F238E27FC236}">
-                <a16:creationId xmlns:a16="http://schemas.microsoft.com/office/drawing/2014/main" id="{9C713077-BFAB-FEF6-1B24-3C6BE61D4651}"/>
-              </a:ext>
-            </a:extLst>
-          </p:cNvPr>
-          <p:cNvPicPr>
-            <a:picLocks noChangeAspect="1"/>
-          </p:cNvPicPr>
+            <a:endParaRPr lang="en-GB"/>
+          </a:p>
+        </p:txBody>
+      </p:sp>
+      <p:sp>
+        <p:nvSpPr>
+          <p:cNvPr id="6" name="Rectangle 5">
+            <a:extLst>
+              <a:ext uri="{FF2B5EF4-FFF2-40B4-BE49-F238E27FC236}">
+                <a16:creationId xmlns:a16="http://schemas.microsoft.com/office/drawing/2014/main" id="{A3BDDCB5-3A07-DCBF-689C-6433851F679D}"/>
+              </a:ext>
+            </a:extLst>
+          </p:cNvPr>
+          <p:cNvSpPr/>
           <p:nvPr/>
-        </p:nvPicPr>
-        <p:blipFill>
-          <a:blip r:embed="rId2"/>
-          <a:srcRect l="18139" r="9949"/>
-          <a:stretch/>
-        </p:blipFill>
-        <p:spPr>
-          <a:xfrm>
-            <a:off x="20" y="1"/>
-            <a:ext cx="6575591" cy="6858000"/>
+        </p:nvSpPr>
+        <p:spPr>
+          <a:xfrm>
+            <a:off x="3248481" y="334370"/>
+            <a:ext cx="2183642" cy="1630908"/>
           </a:xfrm>
           <a:prstGeom prst="rect">
             <a:avLst/>
           </a:prstGeom>
-        </p:spPr>
-      </p:pic>
-      <p:sp>
-        <p:nvSpPr>
-          <p:cNvPr id="2" name="Title 1">
-            <a:extLst>
-              <a:ext uri="{FF2B5EF4-FFF2-40B4-BE49-F238E27FC236}">
-                <a16:creationId xmlns:a16="http://schemas.microsoft.com/office/drawing/2014/main" id="{57151A35-52C4-CEBD-5C6B-56499195AA3F}"/>
-              </a:ext>
-            </a:extLst>
-          </p:cNvPr>
-          <p:cNvSpPr>
-            <a:spLocks noGrp="1"/>
-          </p:cNvSpPr>
-          <p:nvPr>
-            <p:ph type="title"/>
-          </p:nvPr>
-        </p:nvSpPr>
-        <p:spPr>
-          <a:xfrm>
-            <a:off x="7696538" y="190830"/>
-            <a:ext cx="3374534" cy="1734369"/>
-          </a:xfrm>
-        </p:spPr>
-        <p:txBody>
-          <a:bodyPr vert="horz" lIns="91440" tIns="45720" rIns="91440" bIns="45720" rtlCol="0" anchor="b">
-            <a:normAutofit/>
-          </a:bodyPr>
-          <a:lstStyle/>
-          <a:p>
-            <a:r>
-              <a:rPr lang="en-US" sz="5400" dirty="0"/>
-              <a:t>Team Activity</a:t>
-            </a:r>
-          </a:p>
-        </p:txBody>
-      </p:sp>
-      <p:sp>
-        <p:nvSpPr>
-          <p:cNvPr id="6" name="TextBox 5">
-            <a:extLst>
-              <a:ext uri="{FF2B5EF4-FFF2-40B4-BE49-F238E27FC236}">
-                <a16:creationId xmlns:a16="http://schemas.microsoft.com/office/drawing/2014/main" id="{98734B1C-D109-E797-B369-0F32145E98EB}"/>
+          <a:solidFill>
+            <a:srgbClr val="92D050"/>
+          </a:solidFill>
+        </p:spPr>
+        <p:style>
+          <a:lnRef idx="2">
+            <a:schemeClr val="accent1">
+              <a:shade val="15000"/>
+            </a:schemeClr>
+          </a:lnRef>
+          <a:fillRef idx="1">
+            <a:schemeClr val="accent1"/>
+          </a:fillRef>
+          <a:effectRef idx="0">
+            <a:schemeClr val="accent1"/>
+          </a:effectRef>
+          <a:fontRef idx="minor">
+            <a:schemeClr val="lt1"/>
+          </a:fontRef>
+        </p:style>
+        <p:txBody>
+          <a:bodyPr rtlCol="0" anchor="ctr"/>
+          <a:lstStyle/>
+          <a:p>
+            <a:pPr algn="ctr"/>
+            <a:endParaRPr lang="en-GB">
+              <a:solidFill>
+                <a:srgbClr val="92D050"/>
+              </a:solidFill>
+            </a:endParaRPr>
+          </a:p>
+        </p:txBody>
+      </p:sp>
+      <p:sp>
+        <p:nvSpPr>
+          <p:cNvPr id="7" name="Rectangle 6">
+            <a:extLst>
+              <a:ext uri="{FF2B5EF4-FFF2-40B4-BE49-F238E27FC236}">
+                <a16:creationId xmlns:a16="http://schemas.microsoft.com/office/drawing/2014/main" id="{23FC25EA-D4BA-843B-8330-FB38C735849A}"/>
+              </a:ext>
+            </a:extLst>
+          </p:cNvPr>
+          <p:cNvSpPr/>
+          <p:nvPr/>
+        </p:nvSpPr>
+        <p:spPr>
+          <a:xfrm>
+            <a:off x="409433" y="2523821"/>
+            <a:ext cx="2183642" cy="1630908"/>
+          </a:xfrm>
+          <a:prstGeom prst="rect">
+            <a:avLst/>
+          </a:prstGeom>
+          <a:solidFill>
+            <a:srgbClr val="92D050"/>
+          </a:solidFill>
+        </p:spPr>
+        <p:style>
+          <a:lnRef idx="2">
+            <a:schemeClr val="accent1">
+              <a:shade val="15000"/>
+            </a:schemeClr>
+          </a:lnRef>
+          <a:fillRef idx="1">
+            <a:schemeClr val="accent1"/>
+          </a:fillRef>
+          <a:effectRef idx="0">
+            <a:schemeClr val="accent1"/>
+          </a:effectRef>
+          <a:fontRef idx="minor">
+            <a:schemeClr val="lt1"/>
+          </a:fontRef>
+        </p:style>
+        <p:txBody>
+          <a:bodyPr rtlCol="0" anchor="ctr"/>
+          <a:lstStyle/>
+          <a:p>
+            <a:pPr algn="ctr"/>
+            <a:endParaRPr lang="en-GB"/>
+          </a:p>
+        </p:txBody>
+      </p:sp>
+      <p:sp>
+        <p:nvSpPr>
+          <p:cNvPr id="8" name="Rectangle 7">
+            <a:extLst>
+              <a:ext uri="{FF2B5EF4-FFF2-40B4-BE49-F238E27FC236}">
+                <a16:creationId xmlns:a16="http://schemas.microsoft.com/office/drawing/2014/main" id="{C024C158-FEA5-773A-AAD1-4F2E965565C4}"/>
+              </a:ext>
+            </a:extLst>
+          </p:cNvPr>
+          <p:cNvSpPr/>
+          <p:nvPr/>
+        </p:nvSpPr>
+        <p:spPr>
+          <a:xfrm>
+            <a:off x="3268497" y="2523821"/>
+            <a:ext cx="2183642" cy="1630908"/>
+          </a:xfrm>
+          <a:prstGeom prst="rect">
+            <a:avLst/>
+          </a:prstGeom>
+          <a:solidFill>
+            <a:srgbClr val="92D050"/>
+          </a:solidFill>
+        </p:spPr>
+        <p:style>
+          <a:lnRef idx="2">
+            <a:schemeClr val="accent1">
+              <a:shade val="15000"/>
+            </a:schemeClr>
+          </a:lnRef>
+          <a:fillRef idx="1">
+            <a:schemeClr val="accent1"/>
+          </a:fillRef>
+          <a:effectRef idx="0">
+            <a:schemeClr val="accent1"/>
+          </a:effectRef>
+          <a:fontRef idx="minor">
+            <a:schemeClr val="lt1"/>
+          </a:fontRef>
+        </p:style>
+        <p:txBody>
+          <a:bodyPr rtlCol="0" anchor="ctr"/>
+          <a:lstStyle/>
+          <a:p>
+            <a:pPr algn="ctr"/>
+            <a:endParaRPr lang="en-GB"/>
+          </a:p>
+        </p:txBody>
+      </p:sp>
+      <p:sp>
+        <p:nvSpPr>
+          <p:cNvPr id="10" name="Rectangle 9">
+            <a:extLst>
+              <a:ext uri="{FF2B5EF4-FFF2-40B4-BE49-F238E27FC236}">
+                <a16:creationId xmlns:a16="http://schemas.microsoft.com/office/drawing/2014/main" id="{B3893D59-62DA-BC4C-F27E-DAC96734339B}"/>
+              </a:ext>
+            </a:extLst>
+          </p:cNvPr>
+          <p:cNvSpPr/>
+          <p:nvPr/>
+        </p:nvSpPr>
+        <p:spPr>
+          <a:xfrm>
+            <a:off x="423081" y="4757627"/>
+            <a:ext cx="2183642" cy="1630908"/>
+          </a:xfrm>
+          <a:prstGeom prst="rect">
+            <a:avLst/>
+          </a:prstGeom>
+          <a:solidFill>
+            <a:srgbClr val="92D050"/>
+          </a:solidFill>
+        </p:spPr>
+        <p:style>
+          <a:lnRef idx="2">
+            <a:schemeClr val="accent1">
+              <a:shade val="15000"/>
+            </a:schemeClr>
+          </a:lnRef>
+          <a:fillRef idx="1">
+            <a:schemeClr val="accent1"/>
+          </a:fillRef>
+          <a:effectRef idx="0">
+            <a:schemeClr val="accent1"/>
+          </a:effectRef>
+          <a:fontRef idx="minor">
+            <a:schemeClr val="lt1"/>
+          </a:fontRef>
+        </p:style>
+        <p:txBody>
+          <a:bodyPr rtlCol="0" anchor="ctr"/>
+          <a:lstStyle/>
+          <a:p>
+            <a:pPr algn="ctr"/>
+            <a:endParaRPr lang="en-GB"/>
+          </a:p>
+        </p:txBody>
+      </p:sp>
+      <p:sp>
+        <p:nvSpPr>
+          <p:cNvPr id="12" name="Rectangle 11">
+            <a:extLst>
+              <a:ext uri="{FF2B5EF4-FFF2-40B4-BE49-F238E27FC236}">
+                <a16:creationId xmlns:a16="http://schemas.microsoft.com/office/drawing/2014/main" id="{B11AE2D8-DA43-5E00-7937-5C049B9AA1F9}"/>
+              </a:ext>
+            </a:extLst>
+          </p:cNvPr>
+          <p:cNvSpPr/>
+          <p:nvPr/>
+        </p:nvSpPr>
+        <p:spPr>
+          <a:xfrm>
+            <a:off x="3248481" y="4757627"/>
+            <a:ext cx="2183642" cy="1630908"/>
+          </a:xfrm>
+          <a:prstGeom prst="rect">
+            <a:avLst/>
+          </a:prstGeom>
+          <a:solidFill>
+            <a:srgbClr val="92D050"/>
+          </a:solidFill>
+        </p:spPr>
+        <p:style>
+          <a:lnRef idx="2">
+            <a:schemeClr val="accent1">
+              <a:shade val="15000"/>
+            </a:schemeClr>
+          </a:lnRef>
+          <a:fillRef idx="1">
+            <a:schemeClr val="accent1"/>
+          </a:fillRef>
+          <a:effectRef idx="0">
+            <a:schemeClr val="accent1"/>
+          </a:effectRef>
+          <a:fontRef idx="minor">
+            <a:schemeClr val="lt1"/>
+          </a:fontRef>
+        </p:style>
+        <p:txBody>
+          <a:bodyPr rtlCol="0" anchor="ctr"/>
+          <a:lstStyle/>
+          <a:p>
+            <a:pPr algn="ctr"/>
+            <a:endParaRPr lang="en-GB"/>
+          </a:p>
+        </p:txBody>
+      </p:sp>
+      <p:sp>
+        <p:nvSpPr>
+          <p:cNvPr id="13" name="TextBox 12">
+            <a:extLst>
+              <a:ext uri="{FF2B5EF4-FFF2-40B4-BE49-F238E27FC236}">
+                <a16:creationId xmlns:a16="http://schemas.microsoft.com/office/drawing/2014/main" id="{05C90FA4-273E-CB3D-60ED-B1A161057CF5}"/>
               </a:ext>
             </a:extLst>
           </p:cNvPr>
@@ -4118,8 +4342,8 @@
         </p:nvSpPr>
         <p:spPr>
           <a:xfrm>
-            <a:off x="7370859" y="2051437"/>
-            <a:ext cx="3700213" cy="923330"/>
+            <a:off x="498143" y="469465"/>
+            <a:ext cx="1999397" cy="1200329"/>
           </a:xfrm>
           <a:prstGeom prst="rect">
             <a:avLst/>
@@ -4134,7 +4358,241 @@
           <a:p>
             <a:r>
               <a:rPr lang="en-US" dirty="0"/>
-              <a:t>Graphs and statistics on team activity and performance should go here</a:t>
+              <a:t>17/03</a:t>
+            </a:r>
+          </a:p>
+          <a:p>
+            <a:endParaRPr lang="en-US" dirty="0"/>
+          </a:p>
+          <a:p>
+            <a:r>
+              <a:rPr lang="en-US" dirty="0"/>
+              <a:t>Final concept arts done</a:t>
+            </a:r>
+            <a:endParaRPr lang="en-GB" dirty="0"/>
+          </a:p>
+        </p:txBody>
+      </p:sp>
+      <p:sp>
+        <p:nvSpPr>
+          <p:cNvPr id="14" name="TextBox 13">
+            <a:extLst>
+              <a:ext uri="{FF2B5EF4-FFF2-40B4-BE49-F238E27FC236}">
+                <a16:creationId xmlns:a16="http://schemas.microsoft.com/office/drawing/2014/main" id="{39B6B860-F6EF-8FBA-99B5-4162AA0D376B}"/>
+              </a:ext>
+            </a:extLst>
+          </p:cNvPr>
+          <p:cNvSpPr txBox="1"/>
+          <p:nvPr/>
+        </p:nvSpPr>
+        <p:spPr>
+          <a:xfrm>
+            <a:off x="3350525" y="469465"/>
+            <a:ext cx="1972102" cy="1200329"/>
+          </a:xfrm>
+          <a:prstGeom prst="rect">
+            <a:avLst/>
+          </a:prstGeom>
+          <a:noFill/>
+        </p:spPr>
+        <p:txBody>
+          <a:bodyPr wrap="square" rtlCol="0">
+            <a:spAutoFit/>
+          </a:bodyPr>
+          <a:lstStyle/>
+          <a:p>
+            <a:r>
+              <a:rPr lang="en-US" dirty="0"/>
+              <a:t>17/03</a:t>
+            </a:r>
+          </a:p>
+          <a:p>
+            <a:endParaRPr lang="en-US" dirty="0"/>
+          </a:p>
+          <a:p>
+            <a:r>
+              <a:rPr lang="en-US" dirty="0"/>
+              <a:t>Full white box level done</a:t>
+            </a:r>
+            <a:endParaRPr lang="en-GB" dirty="0"/>
+          </a:p>
+        </p:txBody>
+      </p:sp>
+      <p:sp>
+        <p:nvSpPr>
+          <p:cNvPr id="15" name="TextBox 14">
+            <a:extLst>
+              <a:ext uri="{FF2B5EF4-FFF2-40B4-BE49-F238E27FC236}">
+                <a16:creationId xmlns:a16="http://schemas.microsoft.com/office/drawing/2014/main" id="{B45D9CAA-CA93-9937-1C63-D0CA2864A3B5}"/>
+              </a:ext>
+            </a:extLst>
+          </p:cNvPr>
+          <p:cNvSpPr txBox="1"/>
+          <p:nvPr/>
+        </p:nvSpPr>
+        <p:spPr>
+          <a:xfrm>
+            <a:off x="498143" y="2613546"/>
+            <a:ext cx="1999397" cy="1200329"/>
+          </a:xfrm>
+          <a:prstGeom prst="rect">
+            <a:avLst/>
+          </a:prstGeom>
+          <a:noFill/>
+        </p:spPr>
+        <p:txBody>
+          <a:bodyPr wrap="square" rtlCol="0">
+            <a:spAutoFit/>
+          </a:bodyPr>
+          <a:lstStyle/>
+          <a:p>
+            <a:r>
+              <a:rPr lang="en-US" dirty="0"/>
+              <a:t>31/03</a:t>
+            </a:r>
+          </a:p>
+          <a:p>
+            <a:endParaRPr lang="en-US" dirty="0"/>
+          </a:p>
+          <a:p>
+            <a:r>
+              <a:rPr lang="en-US" dirty="0"/>
+              <a:t>Large write up of GDD done</a:t>
+            </a:r>
+            <a:endParaRPr lang="en-GB" dirty="0"/>
+          </a:p>
+        </p:txBody>
+      </p:sp>
+      <p:sp>
+        <p:nvSpPr>
+          <p:cNvPr id="16" name="TextBox 15">
+            <a:extLst>
+              <a:ext uri="{FF2B5EF4-FFF2-40B4-BE49-F238E27FC236}">
+                <a16:creationId xmlns:a16="http://schemas.microsoft.com/office/drawing/2014/main" id="{10251846-D5B6-7A01-AA6C-674EE7C7981B}"/>
+              </a:ext>
+            </a:extLst>
+          </p:cNvPr>
+          <p:cNvSpPr txBox="1"/>
+          <p:nvPr/>
+        </p:nvSpPr>
+        <p:spPr>
+          <a:xfrm>
+            <a:off x="3350525" y="2613546"/>
+            <a:ext cx="2019869" cy="923330"/>
+          </a:xfrm>
+          <a:prstGeom prst="rect">
+            <a:avLst/>
+          </a:prstGeom>
+          <a:noFill/>
+        </p:spPr>
+        <p:txBody>
+          <a:bodyPr wrap="square" rtlCol="0">
+            <a:spAutoFit/>
+          </a:bodyPr>
+          <a:lstStyle/>
+          <a:p>
+            <a:r>
+              <a:rPr lang="en-US" dirty="0"/>
+              <a:t>28/04</a:t>
+            </a:r>
+          </a:p>
+          <a:p>
+            <a:endParaRPr lang="en-US" dirty="0"/>
+          </a:p>
+          <a:p>
+            <a:r>
+              <a:rPr lang="en-US" dirty="0"/>
+              <a:t>Finish modelling</a:t>
+            </a:r>
+            <a:endParaRPr lang="en-GB" dirty="0"/>
+          </a:p>
+        </p:txBody>
+      </p:sp>
+      <p:sp>
+        <p:nvSpPr>
+          <p:cNvPr id="17" name="TextBox 16">
+            <a:extLst>
+              <a:ext uri="{FF2B5EF4-FFF2-40B4-BE49-F238E27FC236}">
+                <a16:creationId xmlns:a16="http://schemas.microsoft.com/office/drawing/2014/main" id="{87BC2F6A-D182-FC39-A870-D3E4225087CA}"/>
+              </a:ext>
+            </a:extLst>
+          </p:cNvPr>
+          <p:cNvSpPr txBox="1"/>
+          <p:nvPr/>
+        </p:nvSpPr>
+        <p:spPr>
+          <a:xfrm>
+            <a:off x="498143" y="4838131"/>
+            <a:ext cx="1999397" cy="1477328"/>
+          </a:xfrm>
+          <a:prstGeom prst="rect">
+            <a:avLst/>
+          </a:prstGeom>
+          <a:noFill/>
+        </p:spPr>
+        <p:txBody>
+          <a:bodyPr wrap="square" rtlCol="0">
+            <a:spAutoFit/>
+          </a:bodyPr>
+          <a:lstStyle/>
+          <a:p>
+            <a:r>
+              <a:rPr lang="en-US" dirty="0"/>
+              <a:t>05/05</a:t>
+            </a:r>
+          </a:p>
+          <a:p>
+            <a:endParaRPr lang="en-US" dirty="0"/>
+          </a:p>
+          <a:p>
+            <a:r>
+              <a:rPr lang="en-US" dirty="0"/>
+              <a:t>Finish merging designs and mechanics</a:t>
+            </a:r>
+            <a:endParaRPr lang="en-GB" dirty="0"/>
+          </a:p>
+        </p:txBody>
+      </p:sp>
+      <p:sp>
+        <p:nvSpPr>
+          <p:cNvPr id="18" name="TextBox 17">
+            <a:extLst>
+              <a:ext uri="{FF2B5EF4-FFF2-40B4-BE49-F238E27FC236}">
+                <a16:creationId xmlns:a16="http://schemas.microsoft.com/office/drawing/2014/main" id="{CC41D727-D22B-7F7D-8BBA-6EFDA7ED1E4F}"/>
+              </a:ext>
+            </a:extLst>
+          </p:cNvPr>
+          <p:cNvSpPr txBox="1"/>
+          <p:nvPr/>
+        </p:nvSpPr>
+        <p:spPr>
+          <a:xfrm>
+            <a:off x="3350525" y="4892723"/>
+            <a:ext cx="1972102" cy="923330"/>
+          </a:xfrm>
+          <a:prstGeom prst="rect">
+            <a:avLst/>
+          </a:prstGeom>
+          <a:noFill/>
+        </p:spPr>
+        <p:txBody>
+          <a:bodyPr wrap="square" rtlCol="0">
+            <a:spAutoFit/>
+          </a:bodyPr>
+          <a:lstStyle/>
+          <a:p>
+            <a:r>
+              <a:rPr lang="en-US" dirty="0"/>
+              <a:t>12/05</a:t>
+            </a:r>
+          </a:p>
+          <a:p>
+            <a:endParaRPr lang="en-US" dirty="0"/>
+          </a:p>
+          <a:p>
+            <a:r>
+              <a:rPr lang="en-US" dirty="0"/>
+              <a:t>Playtest</a:t>
             </a:r>
             <a:endParaRPr lang="en-GB" dirty="0"/>
           </a:p>
@@ -4143,7 +4601,7 @@
     </p:spTree>
     <p:extLst>
       <p:ext uri="{BB962C8B-B14F-4D97-AF65-F5344CB8AC3E}">
-        <p14:creationId xmlns:p14="http://schemas.microsoft.com/office/powerpoint/2010/main" val="3844782756"/>
+        <p14:creationId xmlns:p14="http://schemas.microsoft.com/office/powerpoint/2010/main" val="1774021654"/>
       </p:ext>
     </p:extLst>
   </p:cSld>
@@ -4180,10 +4638,10 @@
       </p:grpSpPr>
       <p:sp useBgFill="1">
         <p:nvSpPr>
-          <p:cNvPr id="16" name="Rectangle 15">
-            <a:extLst>
-              <a:ext uri="{FF2B5EF4-FFF2-40B4-BE49-F238E27FC236}">
-                <a16:creationId xmlns:a16="http://schemas.microsoft.com/office/drawing/2014/main" id="{BA2AFC67-0973-EC0D-F14E-710D701B20BD}"/>
+          <p:cNvPr id="9" name="Rectangle 8">
+            <a:extLst>
+              <a:ext uri="{FF2B5EF4-FFF2-40B4-BE49-F238E27FC236}">
+                <a16:creationId xmlns:a16="http://schemas.microsoft.com/office/drawing/2014/main" id="{1A32057F-F015-B1B2-4E3E-2307F8EFC97B}"/>
               </a:ext>
               <a:ext uri="{C183D7F6-B498-43B3-948B-1728B52AA6E4}">
                 <adec:decorative xmlns:adec="http://schemas.microsoft.com/office/drawing/2017/decorative" val="1"/>
@@ -4256,10 +4714,10 @@
       </p:sp>
       <p:pic>
         <p:nvPicPr>
-          <p:cNvPr id="5" name="Picture 4" descr="Stock exchange numbers">
-            <a:extLst>
-              <a:ext uri="{FF2B5EF4-FFF2-40B4-BE49-F238E27FC236}">
-                <a16:creationId xmlns:a16="http://schemas.microsoft.com/office/drawing/2014/main" id="{D4E678F3-51C4-0E7C-FACD-BB3D88961B60}"/>
+          <p:cNvPr id="5" name="Picture 4" descr="One in a crowd">
+            <a:extLst>
+              <a:ext uri="{FF2B5EF4-FFF2-40B4-BE49-F238E27FC236}">
+                <a16:creationId xmlns:a16="http://schemas.microsoft.com/office/drawing/2014/main" id="{9C713077-BFAB-FEF6-1B24-3C6BE61D4651}"/>
               </a:ext>
             </a:extLst>
           </p:cNvPr>
@@ -4270,13 +4728,13 @@
         </p:nvPicPr>
         <p:blipFill>
           <a:blip r:embed="rId2"/>
-          <a:srcRect l="7927" r="19663" b="-1"/>
+          <a:srcRect l="18139" r="9949"/>
           <a:stretch/>
         </p:blipFill>
         <p:spPr>
           <a:xfrm>
-            <a:off x="4752550" y="10"/>
-            <a:ext cx="7439450" cy="6857990"/>
+            <a:off x="20" y="1"/>
+            <a:ext cx="6575591" cy="6858000"/>
           </a:xfrm>
           <a:prstGeom prst="rect">
             <a:avLst/>
@@ -4288,7 +4746,7 @@
           <p:cNvPr id="2" name="Title 1">
             <a:extLst>
               <a:ext uri="{FF2B5EF4-FFF2-40B4-BE49-F238E27FC236}">
-                <a16:creationId xmlns:a16="http://schemas.microsoft.com/office/drawing/2014/main" id="{E7AB8568-3C98-AFF9-6684-83196ED3EACF}"/>
+                <a16:creationId xmlns:a16="http://schemas.microsoft.com/office/drawing/2014/main" id="{57151A35-52C4-CEBD-5C6B-56499195AA3F}"/>
               </a:ext>
             </a:extLst>
           </p:cNvPr>
@@ -4301,8 +4759,8 @@
         </p:nvSpPr>
         <p:spPr>
           <a:xfrm>
-            <a:off x="1108465" y="351448"/>
-            <a:ext cx="2565841" cy="754976"/>
+            <a:off x="7696538" y="190830"/>
+            <a:ext cx="3374534" cy="1734369"/>
           </a:xfrm>
         </p:spPr>
         <p:txBody>
@@ -4312,25 +4770,18 @@
           <a:lstStyle/>
           <a:p>
             <a:r>
-              <a:rPr lang="en-US" b="1" kern="1200">
-                <a:solidFill>
-                  <a:schemeClr val="tx1"/>
-                </a:solidFill>
-                <a:latin typeface="+mj-lt"/>
-                <a:ea typeface="+mj-ea"/>
-                <a:cs typeface="+mj-cs"/>
-              </a:rPr>
-              <a:t>Summary </a:t>
-            </a:r>
-          </a:p>
-        </p:txBody>
-      </p:sp>
-      <p:sp>
-        <p:nvSpPr>
-          <p:cNvPr id="4" name="TextBox 3">
-            <a:extLst>
-              <a:ext uri="{FF2B5EF4-FFF2-40B4-BE49-F238E27FC236}">
-                <a16:creationId xmlns:a16="http://schemas.microsoft.com/office/drawing/2014/main" id="{DE9AD612-99F4-E160-1F5D-BA9BAC6F4517}"/>
+              <a:rPr lang="en-US" sz="5400" dirty="0"/>
+              <a:t>Team Activity</a:t>
+            </a:r>
+          </a:p>
+        </p:txBody>
+      </p:sp>
+      <p:sp>
+        <p:nvSpPr>
+          <p:cNvPr id="6" name="TextBox 5">
+            <a:extLst>
+              <a:ext uri="{FF2B5EF4-FFF2-40B4-BE49-F238E27FC236}">
+                <a16:creationId xmlns:a16="http://schemas.microsoft.com/office/drawing/2014/main" id="{98734B1C-D109-E797-B369-0F32145E98EB}"/>
               </a:ext>
             </a:extLst>
           </p:cNvPr>
@@ -4339,38 +4790,32 @@
         </p:nvSpPr>
         <p:spPr>
           <a:xfrm>
-            <a:off x="614680" y="2212848"/>
-            <a:ext cx="3553413" cy="4122420"/>
+            <a:off x="7370859" y="2051437"/>
+            <a:ext cx="3700213" cy="923330"/>
           </a:xfrm>
           <a:prstGeom prst="rect">
             <a:avLst/>
           </a:prstGeom>
-        </p:spPr>
-        <p:txBody>
-          <a:bodyPr vert="horz" lIns="91440" tIns="45720" rIns="91440" bIns="45720" rtlCol="0">
-            <a:normAutofit/>
+          <a:noFill/>
+        </p:spPr>
+        <p:txBody>
+          <a:bodyPr wrap="square" rtlCol="0">
+            <a:spAutoFit/>
           </a:bodyPr>
           <a:lstStyle/>
           <a:p>
-            <a:pPr>
-              <a:lnSpc>
-                <a:spcPct val="120000"/>
-              </a:lnSpc>
-              <a:spcAft>
-                <a:spcPts val="600"/>
-              </a:spcAft>
-            </a:pPr>
             <a:r>
               <a:rPr lang="en-US" dirty="0"/>
-              <a:t>Any changes we have made in our plan since last time should be addressed here if they are relevant details.</a:t>
-            </a:r>
+              <a:t>Graphs and statistics on team activity and performance should go here</a:t>
+            </a:r>
+            <a:endParaRPr lang="en-GB" dirty="0"/>
           </a:p>
         </p:txBody>
       </p:sp>
     </p:spTree>
     <p:extLst>
       <p:ext uri="{BB962C8B-B14F-4D97-AF65-F5344CB8AC3E}">
-        <p14:creationId xmlns:p14="http://schemas.microsoft.com/office/powerpoint/2010/main" val="3504737571"/>
+        <p14:creationId xmlns:p14="http://schemas.microsoft.com/office/powerpoint/2010/main" val="3844782756"/>
       </p:ext>
     </p:extLst>
   </p:cSld>
@@ -4405,12 +4850,12 @@
           <a:chExt cx="0" cy="0"/>
         </a:xfrm>
       </p:grpSpPr>
-      <p:sp>
-        <p:nvSpPr>
-          <p:cNvPr id="23" name="Rectangle 22">
-            <a:extLst>
-              <a:ext uri="{FF2B5EF4-FFF2-40B4-BE49-F238E27FC236}">
-                <a16:creationId xmlns:a16="http://schemas.microsoft.com/office/drawing/2014/main" id="{223B85F9-9CA8-2B5F-4522-0B5D742E722F}"/>
+      <p:sp useBgFill="1">
+        <p:nvSpPr>
+          <p:cNvPr id="16" name="Rectangle 15">
+            <a:extLst>
+              <a:ext uri="{FF2B5EF4-FFF2-40B4-BE49-F238E27FC236}">
+                <a16:creationId xmlns:a16="http://schemas.microsoft.com/office/drawing/2014/main" id="{BA2AFC67-0973-EC0D-F14E-710D701B20BD}"/>
               </a:ext>
               <a:ext uri="{C183D7F6-B498-43B3-948B-1728B52AA6E4}">
                 <adec:decorative xmlns:adec="http://schemas.microsoft.com/office/drawing/2017/decorative" val="1"/>
@@ -4436,9 +4881,6 @@
           <a:prstGeom prst="rect">
             <a:avLst/>
           </a:prstGeom>
-          <a:solidFill>
-            <a:schemeClr val="bg1"/>
-          </a:solidFill>
           <a:ln w="12700" cap="flat" cmpd="sng" algn="ctr">
             <a:noFill/>
             <a:prstDash val="solid"/>
@@ -4484,86 +4926,12 @@
           </a:p>
         </p:txBody>
       </p:sp>
-      <p:sp>
-        <p:nvSpPr>
-          <p:cNvPr id="2" name="Title 1">
-            <a:extLst>
-              <a:ext uri="{FF2B5EF4-FFF2-40B4-BE49-F238E27FC236}">
-                <a16:creationId xmlns:a16="http://schemas.microsoft.com/office/drawing/2014/main" id="{B5CF1096-8E03-356D-6432-0F2BFAC8CBE0}"/>
-              </a:ext>
-            </a:extLst>
-          </p:cNvPr>
-          <p:cNvSpPr>
-            <a:spLocks noGrp="1"/>
-          </p:cNvSpPr>
-          <p:nvPr>
-            <p:ph type="title"/>
-          </p:nvPr>
-        </p:nvSpPr>
-        <p:spPr>
-          <a:xfrm>
-            <a:off x="6582718" y="443553"/>
-            <a:ext cx="4998300" cy="1610316"/>
-          </a:xfrm>
-        </p:spPr>
-        <p:txBody>
-          <a:bodyPr vert="horz" lIns="91440" tIns="45720" rIns="91440" bIns="45720" rtlCol="0" anchor="b">
-            <a:normAutofit/>
-          </a:bodyPr>
-          <a:lstStyle/>
-          <a:p>
-            <a:r>
-              <a:rPr lang="en-US" sz="4800" dirty="0"/>
-              <a:t>Team Member Presentations</a:t>
-            </a:r>
-          </a:p>
-        </p:txBody>
-      </p:sp>
-      <p:sp>
-        <p:nvSpPr>
-          <p:cNvPr id="4" name="TextBox 3">
-            <a:extLst>
-              <a:ext uri="{FF2B5EF4-FFF2-40B4-BE49-F238E27FC236}">
-                <a16:creationId xmlns:a16="http://schemas.microsoft.com/office/drawing/2014/main" id="{EEA6A6F6-450E-1AD1-4CB8-EE53D7726371}"/>
-              </a:ext>
-            </a:extLst>
-          </p:cNvPr>
-          <p:cNvSpPr txBox="1"/>
-          <p:nvPr/>
-        </p:nvSpPr>
-        <p:spPr>
-          <a:xfrm>
-            <a:off x="6582718" y="3874545"/>
-            <a:ext cx="4998301" cy="1492585"/>
-          </a:xfrm>
-          <a:prstGeom prst="rect">
-            <a:avLst/>
-          </a:prstGeom>
-        </p:spPr>
-        <p:txBody>
-          <a:bodyPr vert="horz" lIns="91440" tIns="45720" rIns="91440" bIns="45720" rtlCol="0">
-            <a:normAutofit/>
-          </a:bodyPr>
-          <a:lstStyle/>
-          <a:p>
-            <a:pPr>
-              <a:lnSpc>
-                <a:spcPct val="120000"/>
-              </a:lnSpc>
-              <a:spcBef>
-                <a:spcPts val="1000"/>
-              </a:spcBef>
-            </a:pPr>
-            <a:endParaRPr lang="en-US" sz="2000" dirty="0"/>
-          </a:p>
-        </p:txBody>
-      </p:sp>
       <p:pic>
         <p:nvPicPr>
-          <p:cNvPr id="18" name="Graphic 17" descr="Teacher">
-            <a:extLst>
-              <a:ext uri="{FF2B5EF4-FFF2-40B4-BE49-F238E27FC236}">
-                <a16:creationId xmlns:a16="http://schemas.microsoft.com/office/drawing/2014/main" id="{FBA15F39-8236-29D1-57F8-2BC21303A172}"/>
+          <p:cNvPr id="5" name="Picture 4" descr="Stock exchange numbers">
+            <a:extLst>
+              <a:ext uri="{FF2B5EF4-FFF2-40B4-BE49-F238E27FC236}">
+                <a16:creationId xmlns:a16="http://schemas.microsoft.com/office/drawing/2014/main" id="{D4E678F3-51C4-0E7C-FACD-BB3D88961B60}"/>
               </a:ext>
             </a:extLst>
           </p:cNvPr>
@@ -4573,24 +4941,14 @@
           <p:nvPr/>
         </p:nvPicPr>
         <p:blipFill>
-          <a:blip r:embed="rId2">
-            <a:extLst>
-              <a:ext uri="{28A0092B-C50C-407E-A947-70E740481C1C}">
-                <a14:useLocalDpi xmlns:a14="http://schemas.microsoft.com/office/drawing/2010/main" val="0"/>
-              </a:ext>
-              <a:ext uri="{96DAC541-7B7A-43D3-8B79-37D633B846F1}">
-                <asvg:svgBlip xmlns:asvg="http://schemas.microsoft.com/office/drawing/2016/SVG/main" r:embed="rId3"/>
-              </a:ext>
-            </a:extLst>
-          </a:blip>
-          <a:stretch>
-            <a:fillRect/>
-          </a:stretch>
+          <a:blip r:embed="rId2"/>
+          <a:srcRect l="7927" r="19663" b="-1"/>
+          <a:stretch/>
         </p:blipFill>
         <p:spPr>
           <a:xfrm>
-            <a:off x="875638" y="719282"/>
-            <a:ext cx="5310996" cy="5310996"/>
+            <a:off x="4752550" y="10"/>
+            <a:ext cx="7439450" cy="6857990"/>
           </a:xfrm>
           <a:prstGeom prst="rect">
             <a:avLst/>
@@ -4599,10 +4957,52 @@
       </p:pic>
       <p:sp>
         <p:nvSpPr>
-          <p:cNvPr id="5" name="TextBox 4">
-            <a:extLst>
-              <a:ext uri="{FF2B5EF4-FFF2-40B4-BE49-F238E27FC236}">
-                <a16:creationId xmlns:a16="http://schemas.microsoft.com/office/drawing/2014/main" id="{ED4ECFD9-D08C-6EAE-63D3-75E908ABE81B}"/>
+          <p:cNvPr id="2" name="Title 1">
+            <a:extLst>
+              <a:ext uri="{FF2B5EF4-FFF2-40B4-BE49-F238E27FC236}">
+                <a16:creationId xmlns:a16="http://schemas.microsoft.com/office/drawing/2014/main" id="{E7AB8568-3C98-AFF9-6684-83196ED3EACF}"/>
+              </a:ext>
+            </a:extLst>
+          </p:cNvPr>
+          <p:cNvSpPr>
+            <a:spLocks noGrp="1"/>
+          </p:cNvSpPr>
+          <p:nvPr>
+            <p:ph type="title"/>
+          </p:nvPr>
+        </p:nvSpPr>
+        <p:spPr>
+          <a:xfrm>
+            <a:off x="1108465" y="351448"/>
+            <a:ext cx="2565841" cy="754976"/>
+          </a:xfrm>
+        </p:spPr>
+        <p:txBody>
+          <a:bodyPr vert="horz" lIns="91440" tIns="45720" rIns="91440" bIns="45720" rtlCol="0" anchor="b">
+            <a:normAutofit/>
+          </a:bodyPr>
+          <a:lstStyle/>
+          <a:p>
+            <a:r>
+              <a:rPr lang="en-US" b="1" kern="1200">
+                <a:solidFill>
+                  <a:schemeClr val="tx1"/>
+                </a:solidFill>
+                <a:latin typeface="+mj-lt"/>
+                <a:ea typeface="+mj-ea"/>
+                <a:cs typeface="+mj-cs"/>
+              </a:rPr>
+              <a:t>Summary </a:t>
+            </a:r>
+          </a:p>
+        </p:txBody>
+      </p:sp>
+      <p:sp>
+        <p:nvSpPr>
+          <p:cNvPr id="4" name="TextBox 3">
+            <a:extLst>
+              <a:ext uri="{FF2B5EF4-FFF2-40B4-BE49-F238E27FC236}">
+                <a16:creationId xmlns:a16="http://schemas.microsoft.com/office/drawing/2014/main" id="{DE9AD612-99F4-E160-1F5D-BA9BAC6F4517}"/>
               </a:ext>
             </a:extLst>
           </p:cNvPr>
@@ -4611,41 +5011,38 @@
         </p:nvSpPr>
         <p:spPr>
           <a:xfrm>
-            <a:off x="6748818" y="2511188"/>
-            <a:ext cx="4339988" cy="2031325"/>
+            <a:off x="614680" y="2212848"/>
+            <a:ext cx="3553413" cy="4122420"/>
           </a:xfrm>
           <a:prstGeom prst="rect">
             <a:avLst/>
           </a:prstGeom>
-          <a:noFill/>
-        </p:spPr>
-        <p:txBody>
-          <a:bodyPr wrap="square" rtlCol="0">
-            <a:spAutoFit/>
+        </p:spPr>
+        <p:txBody>
+          <a:bodyPr vert="horz" lIns="91440" tIns="45720" rIns="91440" bIns="45720" rtlCol="0">
+            <a:normAutofit/>
           </a:bodyPr>
           <a:lstStyle/>
           <a:p>
+            <a:pPr>
+              <a:lnSpc>
+                <a:spcPct val="120000"/>
+              </a:lnSpc>
+              <a:spcAft>
+                <a:spcPts val="600"/>
+              </a:spcAft>
+            </a:pPr>
             <a:r>
               <a:rPr lang="en-US" dirty="0"/>
-              <a:t>At this point each team member must present what they have been doing over the past week, so I advise using screenshots and 1 slide each.</a:t>
-            </a:r>
-          </a:p>
-          <a:p>
-            <a:endParaRPr lang="en-US" dirty="0"/>
-          </a:p>
-          <a:p>
-            <a:r>
-              <a:rPr lang="en-US" dirty="0"/>
-              <a:t>Also include what your next weeks plans are.</a:t>
-            </a:r>
-            <a:endParaRPr lang="en-GB" dirty="0"/>
+              <a:t>Any changes we have made in our plan since last time should be addressed here if they are relevant details.</a:t>
+            </a:r>
           </a:p>
         </p:txBody>
       </p:sp>
     </p:spTree>
     <p:extLst>
       <p:ext uri="{BB962C8B-B14F-4D97-AF65-F5344CB8AC3E}">
-        <p14:creationId xmlns:p14="http://schemas.microsoft.com/office/powerpoint/2010/main" val="2603334312"/>
+        <p14:creationId xmlns:p14="http://schemas.microsoft.com/office/powerpoint/2010/main" val="3504737571"/>
       </p:ext>
     </p:extLst>
   </p:cSld>
@@ -4682,10 +5079,10 @@
       </p:grpSpPr>
       <p:sp>
         <p:nvSpPr>
-          <p:cNvPr id="16" name="Rectangle 15">
-            <a:extLst>
-              <a:ext uri="{FF2B5EF4-FFF2-40B4-BE49-F238E27FC236}">
-                <a16:creationId xmlns:a16="http://schemas.microsoft.com/office/drawing/2014/main" id="{21E0DC6F-DB0E-DBE1-8178-AE81BC6B96EA}"/>
+          <p:cNvPr id="23" name="Rectangle 22">
+            <a:extLst>
+              <a:ext uri="{FF2B5EF4-FFF2-40B4-BE49-F238E27FC236}">
+                <a16:creationId xmlns:a16="http://schemas.microsoft.com/office/drawing/2014/main" id="{223B85F9-9CA8-2B5F-4522-0B5D742E722F}"/>
               </a:ext>
               <a:ext uri="{C183D7F6-B498-43B3-948B-1728B52AA6E4}">
                 <adec:decorative xmlns:adec="http://schemas.microsoft.com/office/drawing/2017/decorative" val="1"/>
@@ -4759,12 +5156,86 @@
           </a:p>
         </p:txBody>
       </p:sp>
+      <p:sp>
+        <p:nvSpPr>
+          <p:cNvPr id="2" name="Title 1">
+            <a:extLst>
+              <a:ext uri="{FF2B5EF4-FFF2-40B4-BE49-F238E27FC236}">
+                <a16:creationId xmlns:a16="http://schemas.microsoft.com/office/drawing/2014/main" id="{B5CF1096-8E03-356D-6432-0F2BFAC8CBE0}"/>
+              </a:ext>
+            </a:extLst>
+          </p:cNvPr>
+          <p:cNvSpPr>
+            <a:spLocks noGrp="1"/>
+          </p:cNvSpPr>
+          <p:nvPr>
+            <p:ph type="title"/>
+          </p:nvPr>
+        </p:nvSpPr>
+        <p:spPr>
+          <a:xfrm>
+            <a:off x="6582718" y="443553"/>
+            <a:ext cx="4998300" cy="1610316"/>
+          </a:xfrm>
+        </p:spPr>
+        <p:txBody>
+          <a:bodyPr vert="horz" lIns="91440" tIns="45720" rIns="91440" bIns="45720" rtlCol="0" anchor="b">
+            <a:normAutofit/>
+          </a:bodyPr>
+          <a:lstStyle/>
+          <a:p>
+            <a:r>
+              <a:rPr lang="en-US" sz="4800" dirty="0"/>
+              <a:t>Team Member Presentations</a:t>
+            </a:r>
+          </a:p>
+        </p:txBody>
+      </p:sp>
+      <p:sp>
+        <p:nvSpPr>
+          <p:cNvPr id="4" name="TextBox 3">
+            <a:extLst>
+              <a:ext uri="{FF2B5EF4-FFF2-40B4-BE49-F238E27FC236}">
+                <a16:creationId xmlns:a16="http://schemas.microsoft.com/office/drawing/2014/main" id="{EEA6A6F6-450E-1AD1-4CB8-EE53D7726371}"/>
+              </a:ext>
+            </a:extLst>
+          </p:cNvPr>
+          <p:cNvSpPr txBox="1"/>
+          <p:nvPr/>
+        </p:nvSpPr>
+        <p:spPr>
+          <a:xfrm>
+            <a:off x="6582718" y="3874545"/>
+            <a:ext cx="4998301" cy="1492585"/>
+          </a:xfrm>
+          <a:prstGeom prst="rect">
+            <a:avLst/>
+          </a:prstGeom>
+        </p:spPr>
+        <p:txBody>
+          <a:bodyPr vert="horz" lIns="91440" tIns="45720" rIns="91440" bIns="45720" rtlCol="0">
+            <a:normAutofit/>
+          </a:bodyPr>
+          <a:lstStyle/>
+          <a:p>
+            <a:pPr>
+              <a:lnSpc>
+                <a:spcPct val="120000"/>
+              </a:lnSpc>
+              <a:spcBef>
+                <a:spcPts val="1000"/>
+              </a:spcBef>
+            </a:pPr>
+            <a:endParaRPr lang="en-US" sz="2000" dirty="0"/>
+          </a:p>
+        </p:txBody>
+      </p:sp>
       <p:pic>
         <p:nvPicPr>
-          <p:cNvPr id="5" name="Picture 4" descr="Arrows in a dartboard">
-            <a:extLst>
-              <a:ext uri="{FF2B5EF4-FFF2-40B4-BE49-F238E27FC236}">
-                <a16:creationId xmlns:a16="http://schemas.microsoft.com/office/drawing/2014/main" id="{B8A07996-2195-BF47-3610-AD10A0E61AB2}"/>
+          <p:cNvPr id="18" name="Graphic 17" descr="Teacher">
+            <a:extLst>
+              <a:ext uri="{FF2B5EF4-FFF2-40B4-BE49-F238E27FC236}">
+                <a16:creationId xmlns:a16="http://schemas.microsoft.com/office/drawing/2014/main" id="{FBA15F39-8236-29D1-57F8-2BC21303A172}"/>
               </a:ext>
             </a:extLst>
           </p:cNvPr>
@@ -4774,14 +5245,24 @@
           <p:nvPr/>
         </p:nvPicPr>
         <p:blipFill>
-          <a:blip r:embed="rId2"/>
-          <a:srcRect t="12330" r="9091" b="11061"/>
-          <a:stretch/>
+          <a:blip r:embed="rId2">
+            <a:extLst>
+              <a:ext uri="{28A0092B-C50C-407E-A947-70E740481C1C}">
+                <a14:useLocalDpi xmlns:a14="http://schemas.microsoft.com/office/drawing/2010/main" val="0"/>
+              </a:ext>
+              <a:ext uri="{96DAC541-7B7A-43D3-8B79-37D633B846F1}">
+                <asvg:svgBlip xmlns:asvg="http://schemas.microsoft.com/office/drawing/2016/SVG/main" r:embed="rId3"/>
+              </a:ext>
+            </a:extLst>
+          </a:blip>
+          <a:stretch>
+            <a:fillRect/>
+          </a:stretch>
         </p:blipFill>
         <p:spPr>
           <a:xfrm>
-            <a:off x="0" y="-1"/>
-            <a:ext cx="12191980" cy="6857990"/>
+            <a:off x="875638" y="719282"/>
+            <a:ext cx="5310996" cy="5310996"/>
           </a:xfrm>
           <a:prstGeom prst="rect">
             <a:avLst/>
@@ -4790,110 +5271,10 @@
       </p:pic>
       <p:sp>
         <p:nvSpPr>
-          <p:cNvPr id="18" name="Rectangle 17">
-            <a:extLst>
-              <a:ext uri="{FF2B5EF4-FFF2-40B4-BE49-F238E27FC236}">
-                <a16:creationId xmlns:a16="http://schemas.microsoft.com/office/drawing/2014/main" id="{84D07BF5-D29E-918E-55FE-747AF2A0E23F}"/>
-              </a:ext>
-              <a:ext uri="{C183D7F6-B498-43B3-948B-1728B52AA6E4}">
-                <adec:decorative xmlns:adec="http://schemas.microsoft.com/office/drawing/2017/decorative" val="1"/>
-              </a:ext>
-            </a:extLst>
-          </p:cNvPr>
-          <p:cNvSpPr>
-            <a:spLocks noGrp="1" noRot="1" noChangeAspect="1" noMove="1" noResize="1" noEditPoints="1" noAdjustHandles="1" noChangeArrowheads="1" noChangeShapeType="1" noTextEdit="1"/>
-          </p:cNvSpPr>
-          <p:nvPr>
-            <p:extLst>
-              <p:ext uri="{386F3935-93C4-4BCD-93E2-E3B085C9AB24}">
-                <p16:designElem xmlns:p16="http://schemas.microsoft.com/office/powerpoint/2015/main" val="1"/>
-              </p:ext>
-            </p:extLst>
-          </p:nvPr>
-        </p:nvSpPr>
-        <p:spPr>
-          <a:xfrm>
-            <a:off x="0" y="0"/>
-            <a:ext cx="4366726" cy="6858001"/>
-          </a:xfrm>
-          <a:prstGeom prst="rect">
-            <a:avLst/>
-          </a:prstGeom>
-          <a:solidFill>
-            <a:schemeClr val="bg1">
-              <a:alpha val="70000"/>
-            </a:schemeClr>
-          </a:solidFill>
-          <a:ln>
-            <a:noFill/>
-          </a:ln>
-        </p:spPr>
-        <p:style>
-          <a:lnRef idx="2">
-            <a:schemeClr val="accent1">
-              <a:shade val="50000"/>
-            </a:schemeClr>
-          </a:lnRef>
-          <a:fillRef idx="1">
-            <a:schemeClr val="accent1"/>
-          </a:fillRef>
-          <a:effectRef idx="0">
-            <a:schemeClr val="accent1"/>
-          </a:effectRef>
-          <a:fontRef idx="minor">
-            <a:schemeClr val="lt1"/>
-          </a:fontRef>
-        </p:style>
-        <p:txBody>
-          <a:bodyPr rtlCol="0" anchor="ctr"/>
-          <a:lstStyle/>
-          <a:p>
-            <a:pPr algn="ctr"/>
-            <a:endParaRPr lang="en-US"/>
-          </a:p>
-        </p:txBody>
-      </p:sp>
-      <p:sp>
-        <p:nvSpPr>
-          <p:cNvPr id="2" name="Title 1">
-            <a:extLst>
-              <a:ext uri="{FF2B5EF4-FFF2-40B4-BE49-F238E27FC236}">
-                <a16:creationId xmlns:a16="http://schemas.microsoft.com/office/drawing/2014/main" id="{41102BF9-58CE-A871-A0E7-AA600A1E0B83}"/>
-              </a:ext>
-            </a:extLst>
-          </p:cNvPr>
-          <p:cNvSpPr>
-            <a:spLocks noGrp="1"/>
-          </p:cNvSpPr>
-          <p:nvPr>
-            <p:ph type="title"/>
-          </p:nvPr>
-        </p:nvSpPr>
-        <p:spPr>
-          <a:xfrm>
-            <a:off x="357789" y="159026"/>
-            <a:ext cx="2814781" cy="1176793"/>
-          </a:xfrm>
-        </p:spPr>
-        <p:txBody>
-          <a:bodyPr vert="horz" lIns="91440" tIns="45720" rIns="91440" bIns="45720" rtlCol="0" anchor="t">
-            <a:normAutofit/>
-          </a:bodyPr>
-          <a:lstStyle/>
-          <a:p>
-            <a:r>
-              <a:rPr lang="en-US" sz="3200" dirty="0"/>
-              <a:t>Next Weeks Targets</a:t>
-            </a:r>
-          </a:p>
-        </p:txBody>
-      </p:sp>
-      <p:sp>
-        <p:nvSpPr>
-          <p:cNvPr id="4" name="TextBox 3">
-            <a:extLst>
-              <a:ext uri="{FF2B5EF4-FFF2-40B4-BE49-F238E27FC236}">
-                <a16:creationId xmlns:a16="http://schemas.microsoft.com/office/drawing/2014/main" id="{F1AF3DF0-FF00-60C9-42E5-09113C26FC95}"/>
+          <p:cNvPr id="5" name="TextBox 4">
+            <a:extLst>
+              <a:ext uri="{FF2B5EF4-FFF2-40B4-BE49-F238E27FC236}">
+                <a16:creationId xmlns:a16="http://schemas.microsoft.com/office/drawing/2014/main" id="{ED4ECFD9-D08C-6EAE-63D3-75E908ABE81B}"/>
               </a:ext>
             </a:extLst>
           </p:cNvPr>
@@ -4902,8 +5283,8 @@
         </p:nvSpPr>
         <p:spPr>
           <a:xfrm>
-            <a:off x="326003" y="1749287"/>
-            <a:ext cx="2973788" cy="1200329"/>
+            <a:off x="6748818" y="2511188"/>
+            <a:ext cx="4339988" cy="2031325"/>
           </a:xfrm>
           <a:prstGeom prst="rect">
             <a:avLst/>
@@ -4918,7 +5299,16 @@
           <a:p>
             <a:r>
               <a:rPr lang="en-US" dirty="0"/>
-              <a:t>An overall summary of the next weeks goals should be made here. Relate it to timeline.</a:t>
+              <a:t>At this point each team member must present what they have been doing over the past week, so I advise using screenshots and 1 slide each.</a:t>
+            </a:r>
+          </a:p>
+          <a:p>
+            <a:endParaRPr lang="en-US" dirty="0"/>
+          </a:p>
+          <a:p>
+            <a:r>
+              <a:rPr lang="en-US" dirty="0"/>
+              <a:t>Also include what your next weeks plans are.</a:t>
             </a:r>
             <a:endParaRPr lang="en-GB" dirty="0"/>
           </a:p>
@@ -4927,7 +5317,7 @@
     </p:spTree>
     <p:extLst>
       <p:ext uri="{BB962C8B-B14F-4D97-AF65-F5344CB8AC3E}">
-        <p14:creationId xmlns:p14="http://schemas.microsoft.com/office/powerpoint/2010/main" val="2319581955"/>
+        <p14:creationId xmlns:p14="http://schemas.microsoft.com/office/powerpoint/2010/main" val="2603334312"/>
       </p:ext>
     </p:extLst>
   </p:cSld>
@@ -4964,10 +5354,10 @@
       </p:grpSpPr>
       <p:sp>
         <p:nvSpPr>
-          <p:cNvPr id="9" name="Rectangle 8">
-            <a:extLst>
-              <a:ext uri="{FF2B5EF4-FFF2-40B4-BE49-F238E27FC236}">
-                <a16:creationId xmlns:a16="http://schemas.microsoft.com/office/drawing/2014/main" id="{ED587E41-605C-A8E4-8BA5-0E0B3797C9AA}"/>
+          <p:cNvPr id="16" name="Rectangle 15">
+            <a:extLst>
+              <a:ext uri="{FF2B5EF4-FFF2-40B4-BE49-F238E27FC236}">
+                <a16:creationId xmlns:a16="http://schemas.microsoft.com/office/drawing/2014/main" id="{21E0DC6F-DB0E-DBE1-8178-AE81BC6B96EA}"/>
               </a:ext>
               <a:ext uri="{C183D7F6-B498-43B3-948B-1728B52AA6E4}">
                 <adec:decorative xmlns:adec="http://schemas.microsoft.com/office/drawing/2017/decorative" val="1"/>
@@ -5036,6 +5426,288 @@
           <a:bodyPr rtlCol="0" anchor="ctr"/>
           <a:lstStyle/>
           <a:p>
+            <a:pPr algn="ctr"/>
+            <a:endParaRPr lang="en-US"/>
+          </a:p>
+        </p:txBody>
+      </p:sp>
+      <p:pic>
+        <p:nvPicPr>
+          <p:cNvPr id="5" name="Picture 4" descr="Arrows in a dartboard">
+            <a:extLst>
+              <a:ext uri="{FF2B5EF4-FFF2-40B4-BE49-F238E27FC236}">
+                <a16:creationId xmlns:a16="http://schemas.microsoft.com/office/drawing/2014/main" id="{B8A07996-2195-BF47-3610-AD10A0E61AB2}"/>
+              </a:ext>
+            </a:extLst>
+          </p:cNvPr>
+          <p:cNvPicPr>
+            <a:picLocks noChangeAspect="1"/>
+          </p:cNvPicPr>
+          <p:nvPr/>
+        </p:nvPicPr>
+        <p:blipFill>
+          <a:blip r:embed="rId2"/>
+          <a:srcRect t="12330" r="9091" b="11061"/>
+          <a:stretch/>
+        </p:blipFill>
+        <p:spPr>
+          <a:xfrm>
+            <a:off x="0" y="-1"/>
+            <a:ext cx="12191980" cy="6857990"/>
+          </a:xfrm>
+          <a:prstGeom prst="rect">
+            <a:avLst/>
+          </a:prstGeom>
+        </p:spPr>
+      </p:pic>
+      <p:sp>
+        <p:nvSpPr>
+          <p:cNvPr id="18" name="Rectangle 17">
+            <a:extLst>
+              <a:ext uri="{FF2B5EF4-FFF2-40B4-BE49-F238E27FC236}">
+                <a16:creationId xmlns:a16="http://schemas.microsoft.com/office/drawing/2014/main" id="{84D07BF5-D29E-918E-55FE-747AF2A0E23F}"/>
+              </a:ext>
+              <a:ext uri="{C183D7F6-B498-43B3-948B-1728B52AA6E4}">
+                <adec:decorative xmlns:adec="http://schemas.microsoft.com/office/drawing/2017/decorative" val="1"/>
+              </a:ext>
+            </a:extLst>
+          </p:cNvPr>
+          <p:cNvSpPr>
+            <a:spLocks noGrp="1" noRot="1" noChangeAspect="1" noMove="1" noResize="1" noEditPoints="1" noAdjustHandles="1" noChangeArrowheads="1" noChangeShapeType="1" noTextEdit="1"/>
+          </p:cNvSpPr>
+          <p:nvPr>
+            <p:extLst>
+              <p:ext uri="{386F3935-93C4-4BCD-93E2-E3B085C9AB24}">
+                <p16:designElem xmlns:p16="http://schemas.microsoft.com/office/powerpoint/2015/main" val="1"/>
+              </p:ext>
+            </p:extLst>
+          </p:nvPr>
+        </p:nvSpPr>
+        <p:spPr>
+          <a:xfrm>
+            <a:off x="0" y="0"/>
+            <a:ext cx="4366726" cy="6858001"/>
+          </a:xfrm>
+          <a:prstGeom prst="rect">
+            <a:avLst/>
+          </a:prstGeom>
+          <a:solidFill>
+            <a:schemeClr val="bg1">
+              <a:alpha val="70000"/>
+            </a:schemeClr>
+          </a:solidFill>
+          <a:ln>
+            <a:noFill/>
+          </a:ln>
+        </p:spPr>
+        <p:style>
+          <a:lnRef idx="2">
+            <a:schemeClr val="accent1">
+              <a:shade val="50000"/>
+            </a:schemeClr>
+          </a:lnRef>
+          <a:fillRef idx="1">
+            <a:schemeClr val="accent1"/>
+          </a:fillRef>
+          <a:effectRef idx="0">
+            <a:schemeClr val="accent1"/>
+          </a:effectRef>
+          <a:fontRef idx="minor">
+            <a:schemeClr val="lt1"/>
+          </a:fontRef>
+        </p:style>
+        <p:txBody>
+          <a:bodyPr rtlCol="0" anchor="ctr"/>
+          <a:lstStyle/>
+          <a:p>
+            <a:pPr algn="ctr"/>
+            <a:endParaRPr lang="en-US"/>
+          </a:p>
+        </p:txBody>
+      </p:sp>
+      <p:sp>
+        <p:nvSpPr>
+          <p:cNvPr id="2" name="Title 1">
+            <a:extLst>
+              <a:ext uri="{FF2B5EF4-FFF2-40B4-BE49-F238E27FC236}">
+                <a16:creationId xmlns:a16="http://schemas.microsoft.com/office/drawing/2014/main" id="{41102BF9-58CE-A871-A0E7-AA600A1E0B83}"/>
+              </a:ext>
+            </a:extLst>
+          </p:cNvPr>
+          <p:cNvSpPr>
+            <a:spLocks noGrp="1"/>
+          </p:cNvSpPr>
+          <p:nvPr>
+            <p:ph type="title"/>
+          </p:nvPr>
+        </p:nvSpPr>
+        <p:spPr>
+          <a:xfrm>
+            <a:off x="357789" y="159026"/>
+            <a:ext cx="2814781" cy="1176793"/>
+          </a:xfrm>
+        </p:spPr>
+        <p:txBody>
+          <a:bodyPr vert="horz" lIns="91440" tIns="45720" rIns="91440" bIns="45720" rtlCol="0" anchor="t">
+            <a:normAutofit/>
+          </a:bodyPr>
+          <a:lstStyle/>
+          <a:p>
+            <a:r>
+              <a:rPr lang="en-US" sz="3200" dirty="0"/>
+              <a:t>Next Weeks Targets</a:t>
+            </a:r>
+          </a:p>
+        </p:txBody>
+      </p:sp>
+      <p:sp>
+        <p:nvSpPr>
+          <p:cNvPr id="4" name="TextBox 3">
+            <a:extLst>
+              <a:ext uri="{FF2B5EF4-FFF2-40B4-BE49-F238E27FC236}">
+                <a16:creationId xmlns:a16="http://schemas.microsoft.com/office/drawing/2014/main" id="{F1AF3DF0-FF00-60C9-42E5-09113C26FC95}"/>
+              </a:ext>
+            </a:extLst>
+          </p:cNvPr>
+          <p:cNvSpPr txBox="1"/>
+          <p:nvPr/>
+        </p:nvSpPr>
+        <p:spPr>
+          <a:xfrm>
+            <a:off x="326003" y="1749287"/>
+            <a:ext cx="2973788" cy="1200329"/>
+          </a:xfrm>
+          <a:prstGeom prst="rect">
+            <a:avLst/>
+          </a:prstGeom>
+          <a:noFill/>
+        </p:spPr>
+        <p:txBody>
+          <a:bodyPr wrap="square" rtlCol="0">
+            <a:spAutoFit/>
+          </a:bodyPr>
+          <a:lstStyle/>
+          <a:p>
+            <a:r>
+              <a:rPr lang="en-US" dirty="0"/>
+              <a:t>An overall summary of the next weeks goals should be made here. Relate it to timeline.</a:t>
+            </a:r>
+            <a:endParaRPr lang="en-GB" dirty="0"/>
+          </a:p>
+        </p:txBody>
+      </p:sp>
+    </p:spTree>
+    <p:extLst>
+      <p:ext uri="{BB962C8B-B14F-4D97-AF65-F5344CB8AC3E}">
+        <p14:creationId xmlns:p14="http://schemas.microsoft.com/office/powerpoint/2010/main" val="2319581955"/>
+      </p:ext>
+    </p:extLst>
+  </p:cSld>
+  <p:clrMapOvr>
+    <a:masterClrMapping/>
+  </p:clrMapOvr>
+</p:sld>
+</file>
+
+<file path=ppt/slides/slide8.xml><?xml version="1.0" encoding="utf-8"?>
+<p:sld xmlns:a="http://schemas.openxmlformats.org/drawingml/2006/main" xmlns:r="http://schemas.openxmlformats.org/officeDocument/2006/relationships" xmlns:p="http://schemas.openxmlformats.org/presentationml/2006/main">
+  <p:cSld>
+    <p:bg>
+      <p:bgPr>
+        <a:solidFill>
+          <a:schemeClr val="bg1"/>
+        </a:solidFill>
+        <a:effectLst/>
+      </p:bgPr>
+    </p:bg>
+    <p:spTree>
+      <p:nvGrpSpPr>
+        <p:cNvPr id="1" name=""/>
+        <p:cNvGrpSpPr/>
+        <p:nvPr/>
+      </p:nvGrpSpPr>
+      <p:grpSpPr>
+        <a:xfrm>
+          <a:off x="0" y="0"/>
+          <a:ext cx="0" cy="0"/>
+          <a:chOff x="0" y="0"/>
+          <a:chExt cx="0" cy="0"/>
+        </a:xfrm>
+      </p:grpSpPr>
+      <p:sp>
+        <p:nvSpPr>
+          <p:cNvPr id="9" name="Rectangle 8">
+            <a:extLst>
+              <a:ext uri="{FF2B5EF4-FFF2-40B4-BE49-F238E27FC236}">
+                <a16:creationId xmlns:a16="http://schemas.microsoft.com/office/drawing/2014/main" id="{ED587E41-605C-A8E4-8BA5-0E0B3797C9AA}"/>
+              </a:ext>
+              <a:ext uri="{C183D7F6-B498-43B3-948B-1728B52AA6E4}">
+                <adec:decorative xmlns:adec="http://schemas.microsoft.com/office/drawing/2017/decorative" val="1"/>
+              </a:ext>
+            </a:extLst>
+          </p:cNvPr>
+          <p:cNvSpPr>
+            <a:spLocks noGrp="1" noRot="1" noChangeAspect="1" noMove="1" noResize="1" noEditPoints="1" noAdjustHandles="1" noChangeArrowheads="1" noChangeShapeType="1" noTextEdit="1"/>
+          </p:cNvSpPr>
+          <p:nvPr>
+            <p:extLst>
+              <p:ext uri="{386F3935-93C4-4BCD-93E2-E3B085C9AB24}">
+                <p16:designElem xmlns:p16="http://schemas.microsoft.com/office/powerpoint/2015/main" val="1"/>
+              </p:ext>
+            </p:extLst>
+          </p:nvPr>
+        </p:nvSpPr>
+        <p:spPr>
+          <a:xfrm>
+            <a:off x="0" y="0"/>
+            <a:ext cx="12192000" cy="6858000"/>
+          </a:xfrm>
+          <a:prstGeom prst="rect">
+            <a:avLst/>
+          </a:prstGeom>
+          <a:solidFill>
+            <a:schemeClr val="bg1"/>
+          </a:solidFill>
+          <a:ln w="12700" cap="flat" cmpd="sng" algn="ctr">
+            <a:noFill/>
+            <a:prstDash val="solid"/>
+            <a:miter lim="800000"/>
+          </a:ln>
+          <a:effectLst/>
+          <a:extLst>
+            <a:ext uri="{91240B29-F687-4F45-9708-019B960494DF}">
+              <a14:hiddenLine xmlns:a14="http://schemas.microsoft.com/office/drawing/2010/main" w="12700" cap="flat" cmpd="sng" algn="ctr">
+                <a:solidFill>
+                  <a:schemeClr val="accent1">
+                    <a:shade val="15000"/>
+                  </a:schemeClr>
+                </a:solidFill>
+                <a:prstDash val="solid"/>
+                <a:miter lim="800000"/>
+              </a14:hiddenLine>
+            </a:ext>
+          </a:extLst>
+        </p:spPr>
+        <p:style>
+          <a:lnRef idx="2">
+            <a:schemeClr val="accent1">
+              <a:shade val="15000"/>
+            </a:schemeClr>
+          </a:lnRef>
+          <a:fillRef idx="1">
+            <a:schemeClr val="accent1"/>
+          </a:fillRef>
+          <a:effectRef idx="0">
+            <a:schemeClr val="accent1"/>
+          </a:effectRef>
+          <a:fontRef idx="minor">
+            <a:schemeClr val="lt1"/>
+          </a:fontRef>
+        </p:style>
+        <p:txBody>
+          <a:bodyPr rtlCol="0" anchor="ctr"/>
+          <a:lstStyle/>
+          <a:p>
             <a:pPr marL="0" marR="0" lvl="0" indent="0" algn="ctr" defTabSz="914400" rtl="0" eaLnBrk="1" fontAlgn="auto" latinLnBrk="0" hangingPunct="1">
               <a:lnSpc>
                 <a:spcPct val="100000"/>
@@ -5277,7 +5949,7 @@
 </p:sld>
 </file>
 
-<file path=ppt/slides/slide8.xml><?xml version="1.0" encoding="utf-8"?>
+<file path=ppt/slides/slide9.xml><?xml version="1.0" encoding="utf-8"?>
 <p:sld xmlns:a="http://schemas.openxmlformats.org/drawingml/2006/main" xmlns:r="http://schemas.openxmlformats.org/officeDocument/2006/relationships" xmlns:p="http://schemas.openxmlformats.org/presentationml/2006/main">
   <p:cSld>
     <p:bg>
